--- a/Lectures/A4.b_R-Plotting.pptx
+++ b/Lectures/A4.b_R-Plotting.pptx
@@ -37,6 +37,7 @@
     <p:sldId id="281" r:id="rId32"/>
     <p:sldId id="282" r:id="rId33"/>
     <p:sldId id="283" r:id="rId34"/>
+    <p:sldId id="284" r:id="rId35"/>
   </p:sldIdLst>
   <p:sldSz cy="5143500" cx="9144000"/>
   <p:notesSz cx="6858000" cy="9144000"/>
@@ -1755,7 +1756,7 @@
   <p:cSld>
     <p:spTree>
       <p:nvGrpSpPr>
-        <p:cNvPr id="230" name="Shape 230"/>
+        <p:cNvPr id="229" name="Shape 229"/>
         <p:cNvGrpSpPr/>
         <p:nvPr/>
       </p:nvGrpSpPr>
@@ -1769,7 +1770,7 @@
       </p:grpSpPr>
       <p:sp>
         <p:nvSpPr>
-          <p:cNvPr id="231" name="Google Shape;231;g994f29c5c0_0_626:notes"/>
+          <p:cNvPr id="230" name="Google Shape;230;g994f29c5c0_0_626:notes"/>
           <p:cNvSpPr/>
           <p:nvPr>
             <p:ph idx="2" type="sldImg"/>
@@ -1814,7 +1815,7 @@
       </p:sp>
       <p:sp>
         <p:nvSpPr>
-          <p:cNvPr id="232" name="Google Shape;232;g994f29c5c0_0_626:notes"/>
+          <p:cNvPr id="231" name="Google Shape;231;g994f29c5c0_0_626:notes"/>
           <p:cNvSpPr txBox="1"/>
           <p:nvPr>
             <p:ph idx="1" type="body"/>
@@ -1873,7 +1874,7 @@
   <p:cSld>
     <p:spTree>
       <p:nvGrpSpPr>
-        <p:cNvPr id="238" name="Shape 238"/>
+        <p:cNvPr id="237" name="Shape 237"/>
         <p:cNvGrpSpPr/>
         <p:nvPr/>
       </p:nvGrpSpPr>
@@ -1887,7 +1888,7 @@
       </p:grpSpPr>
       <p:sp>
         <p:nvSpPr>
-          <p:cNvPr id="239" name="Google Shape;239;g994f29c5c0_0_635:notes"/>
+          <p:cNvPr id="238" name="Google Shape;238;g994f29c5c0_0_635:notes"/>
           <p:cNvSpPr/>
           <p:nvPr>
             <p:ph idx="2" type="sldImg"/>
@@ -1932,7 +1933,7 @@
       </p:sp>
       <p:sp>
         <p:nvSpPr>
-          <p:cNvPr id="240" name="Google Shape;240;g994f29c5c0_0_635:notes"/>
+          <p:cNvPr id="239" name="Google Shape;239;g994f29c5c0_0_635:notes"/>
           <p:cNvSpPr txBox="1"/>
           <p:nvPr>
             <p:ph idx="1" type="body"/>
@@ -2107,7 +2108,7 @@
   <p:cSld>
     <p:spTree>
       <p:nvGrpSpPr>
-        <p:cNvPr id="244" name="Shape 244"/>
+        <p:cNvPr id="243" name="Shape 243"/>
         <p:cNvGrpSpPr/>
         <p:nvPr/>
       </p:nvGrpSpPr>
@@ -2121,7 +2122,7 @@
       </p:grpSpPr>
       <p:sp>
         <p:nvSpPr>
-          <p:cNvPr id="245" name="Google Shape;245;g994f29c5c0_0_107:notes"/>
+          <p:cNvPr id="244" name="Google Shape;244;g994f29c5c0_0_107:notes"/>
           <p:cNvSpPr/>
           <p:nvPr>
             <p:ph idx="2" type="sldImg"/>
@@ -2166,7 +2167,7 @@
       </p:sp>
       <p:sp>
         <p:nvSpPr>
-          <p:cNvPr id="246" name="Google Shape;246;g994f29c5c0_0_107:notes"/>
+          <p:cNvPr id="245" name="Google Shape;245;g994f29c5c0_0_107:notes"/>
           <p:cNvSpPr txBox="1"/>
           <p:nvPr>
             <p:ph idx="1" type="body"/>
@@ -2224,7 +2225,7 @@
   <p:cSld>
     <p:spTree>
       <p:nvGrpSpPr>
-        <p:cNvPr id="252" name="Shape 252"/>
+        <p:cNvPr id="251" name="Shape 251"/>
         <p:cNvGrpSpPr/>
         <p:nvPr/>
       </p:nvGrpSpPr>
@@ -2238,7 +2239,7 @@
       </p:grpSpPr>
       <p:sp>
         <p:nvSpPr>
-          <p:cNvPr id="253" name="Google Shape;253;g994f29c5c0_0_50:notes"/>
+          <p:cNvPr id="252" name="Google Shape;252;g994f29c5c0_0_50:notes"/>
           <p:cNvSpPr/>
           <p:nvPr>
             <p:ph idx="2" type="sldImg"/>
@@ -2283,7 +2284,7 @@
       </p:sp>
       <p:sp>
         <p:nvSpPr>
-          <p:cNvPr id="254" name="Google Shape;254;g994f29c5c0_0_50:notes"/>
+          <p:cNvPr id="253" name="Google Shape;253;g994f29c5c0_0_50:notes"/>
           <p:cNvSpPr txBox="1"/>
           <p:nvPr>
             <p:ph idx="1" type="body"/>
@@ -2341,7 +2342,7 @@
   <p:cSld>
     <p:spTree>
       <p:nvGrpSpPr>
-        <p:cNvPr id="258" name="Shape 258"/>
+        <p:cNvPr id="257" name="Shape 257"/>
         <p:cNvGrpSpPr/>
         <p:nvPr/>
       </p:nvGrpSpPr>
@@ -2355,7 +2356,7 @@
       </p:grpSpPr>
       <p:sp>
         <p:nvSpPr>
-          <p:cNvPr id="259" name="Google Shape;259;g994f29c5c0_0_646:notes"/>
+          <p:cNvPr id="258" name="Google Shape;258;g994f29c5c0_0_646:notes"/>
           <p:cNvSpPr/>
           <p:nvPr>
             <p:ph idx="2" type="sldImg"/>
@@ -2400,7 +2401,7 @@
       </p:sp>
       <p:sp>
         <p:nvSpPr>
-          <p:cNvPr id="260" name="Google Shape;260;g994f29c5c0_0_646:notes"/>
+          <p:cNvPr id="259" name="Google Shape;259;g994f29c5c0_0_646:notes"/>
           <p:cNvSpPr txBox="1"/>
           <p:nvPr>
             <p:ph idx="1" type="body"/>
@@ -2458,7 +2459,7 @@
   <p:cSld>
     <p:spTree>
       <p:nvGrpSpPr>
-        <p:cNvPr id="264" name="Shape 264"/>
+        <p:cNvPr id="263" name="Shape 263"/>
         <p:cNvGrpSpPr/>
         <p:nvPr/>
       </p:nvGrpSpPr>
@@ -2472,7 +2473,7 @@
       </p:grpSpPr>
       <p:sp>
         <p:nvSpPr>
-          <p:cNvPr id="265" name="Google Shape;265;g994f29c5c0_0_655:notes"/>
+          <p:cNvPr id="264" name="Google Shape;264;g994f29c5c0_0_655:notes"/>
           <p:cNvSpPr/>
           <p:nvPr>
             <p:ph idx="2" type="sldImg"/>
@@ -2517,7 +2518,7 @@
       </p:sp>
       <p:sp>
         <p:nvSpPr>
-          <p:cNvPr id="266" name="Google Shape;266;g994f29c5c0_0_655:notes"/>
+          <p:cNvPr id="265" name="Google Shape;265;g994f29c5c0_0_655:notes"/>
           <p:cNvSpPr txBox="1"/>
           <p:nvPr>
             <p:ph idx="1" type="body"/>
@@ -2575,7 +2576,7 @@
   <p:cSld>
     <p:spTree>
       <p:nvGrpSpPr>
-        <p:cNvPr id="271" name="Shape 271"/>
+        <p:cNvPr id="270" name="Shape 270"/>
         <p:cNvGrpSpPr/>
         <p:nvPr/>
       </p:nvGrpSpPr>
@@ -2589,7 +2590,7 @@
       </p:grpSpPr>
       <p:sp>
         <p:nvSpPr>
-          <p:cNvPr id="272" name="Google Shape;272;g994f29c5c0_0_661:notes"/>
+          <p:cNvPr id="271" name="Google Shape;271;g994f29c5c0_0_661:notes"/>
           <p:cNvSpPr/>
           <p:nvPr>
             <p:ph idx="2" type="sldImg"/>
@@ -2634,7 +2635,7 @@
       </p:sp>
       <p:sp>
         <p:nvSpPr>
-          <p:cNvPr id="273" name="Google Shape;273;g994f29c5c0_0_661:notes"/>
+          <p:cNvPr id="272" name="Google Shape;272;g994f29c5c0_0_661:notes"/>
           <p:cNvSpPr txBox="1"/>
           <p:nvPr>
             <p:ph idx="1" type="body"/>
@@ -2692,7 +2693,7 @@
   <p:cSld>
     <p:spTree>
       <p:nvGrpSpPr>
-        <p:cNvPr id="278" name="Shape 278"/>
+        <p:cNvPr id="277" name="Shape 277"/>
         <p:cNvGrpSpPr/>
         <p:nvPr/>
       </p:nvGrpSpPr>
@@ -2706,7 +2707,7 @@
       </p:grpSpPr>
       <p:sp>
         <p:nvSpPr>
-          <p:cNvPr id="279" name="Google Shape;279;g994f29c5c0_0_667:notes"/>
+          <p:cNvPr id="278" name="Google Shape;278;g994f29c5c0_0_667:notes"/>
           <p:cNvSpPr/>
           <p:nvPr>
             <p:ph idx="2" type="sldImg"/>
@@ -2751,7 +2752,7 @@
       </p:sp>
       <p:sp>
         <p:nvSpPr>
-          <p:cNvPr id="280" name="Google Shape;280;g994f29c5c0_0_667:notes"/>
+          <p:cNvPr id="279" name="Google Shape;279;g994f29c5c0_0_667:notes"/>
           <p:cNvSpPr txBox="1"/>
           <p:nvPr>
             <p:ph idx="1" type="body"/>
@@ -2809,7 +2810,7 @@
   <p:cSld>
     <p:spTree>
       <p:nvGrpSpPr>
-        <p:cNvPr id="285" name="Shape 285"/>
+        <p:cNvPr id="284" name="Shape 284"/>
         <p:cNvGrpSpPr/>
         <p:nvPr/>
       </p:nvGrpSpPr>
@@ -2823,7 +2824,7 @@
       </p:grpSpPr>
       <p:sp>
         <p:nvSpPr>
-          <p:cNvPr id="286" name="Google Shape;286;g994f29c5c0_0_673:notes"/>
+          <p:cNvPr id="285" name="Google Shape;285;g994f29c5c0_0_673:notes"/>
           <p:cNvSpPr/>
           <p:nvPr>
             <p:ph idx="2" type="sldImg"/>
@@ -2868,7 +2869,7 @@
       </p:sp>
       <p:sp>
         <p:nvSpPr>
-          <p:cNvPr id="287" name="Google Shape;287;g994f29c5c0_0_673:notes"/>
+          <p:cNvPr id="286" name="Google Shape;286;g994f29c5c0_0_673:notes"/>
           <p:cNvSpPr txBox="1"/>
           <p:nvPr>
             <p:ph idx="1" type="body"/>
@@ -2926,7 +2927,7 @@
   <p:cSld>
     <p:spTree>
       <p:nvGrpSpPr>
-        <p:cNvPr id="292" name="Shape 292"/>
+        <p:cNvPr id="291" name="Shape 291"/>
         <p:cNvGrpSpPr/>
         <p:nvPr/>
       </p:nvGrpSpPr>
@@ -2940,7 +2941,7 @@
       </p:grpSpPr>
       <p:sp>
         <p:nvSpPr>
-          <p:cNvPr id="293" name="Google Shape;293;g994f29c5c0_0_679:notes"/>
+          <p:cNvPr id="292" name="Google Shape;292;g994f29c5c0_0_730:notes"/>
           <p:cNvSpPr/>
           <p:nvPr>
             <p:ph idx="2" type="sldImg"/>
@@ -2985,7 +2986,7 @@
       </p:sp>
       <p:sp>
         <p:nvSpPr>
-          <p:cNvPr id="294" name="Google Shape;294;g994f29c5c0_0_679:notes"/>
+          <p:cNvPr id="293" name="Google Shape;293;g994f29c5c0_0_730:notes"/>
           <p:cNvSpPr txBox="1"/>
           <p:nvPr>
             <p:ph idx="1" type="body"/>
@@ -3043,7 +3044,7 @@
   <p:cSld>
     <p:spTree>
       <p:nvGrpSpPr>
-        <p:cNvPr id="299" name="Shape 299"/>
+        <p:cNvPr id="298" name="Shape 298"/>
         <p:cNvGrpSpPr/>
         <p:nvPr/>
       </p:nvGrpSpPr>
@@ -3057,7 +3058,7 @@
       </p:grpSpPr>
       <p:sp>
         <p:nvSpPr>
-          <p:cNvPr id="300" name="Google Shape;300;g994f29c5c0_0_55:notes"/>
+          <p:cNvPr id="299" name="Google Shape;299;g994f29c5c0_0_679:notes"/>
           <p:cNvSpPr/>
           <p:nvPr>
             <p:ph idx="2" type="sldImg"/>
@@ -3102,7 +3103,124 @@
       </p:sp>
       <p:sp>
         <p:nvSpPr>
-          <p:cNvPr id="301" name="Google Shape;301;g994f29c5c0_0_55:notes"/>
+          <p:cNvPr id="300" name="Google Shape;300;g994f29c5c0_0_679:notes"/>
+          <p:cNvSpPr txBox="1"/>
+          <p:nvPr>
+            <p:ph idx="1" type="body"/>
+          </p:nvPr>
+        </p:nvSpPr>
+        <p:spPr>
+          <a:xfrm>
+            <a:off x="685800" y="4343400"/>
+            <a:ext cx="5486400" cy="4114800"/>
+          </a:xfrm>
+          <a:prstGeom prst="rect">
+            <a:avLst/>
+          </a:prstGeom>
+          <a:noFill/>
+          <a:ln>
+            <a:noFill/>
+          </a:ln>
+        </p:spPr>
+        <p:txBody>
+          <a:bodyPr anchorCtr="0" anchor="t" bIns="91425" lIns="91425" spcFirstLastPara="1" rIns="91425" wrap="square" tIns="91425">
+            <a:noAutofit/>
+          </a:bodyPr>
+          <a:lstStyle/>
+          <a:p>
+            <a:pPr indent="0" lvl="0" marL="0" rtl="0" algn="l">
+              <a:lnSpc>
+                <a:spcPct val="100000"/>
+              </a:lnSpc>
+              <a:spcBef>
+                <a:spcPts val="0"/>
+              </a:spcBef>
+              <a:spcAft>
+                <a:spcPts val="0"/>
+              </a:spcAft>
+              <a:buSzPts val="1100"/>
+              <a:buNone/>
+            </a:pPr>
+            <a:r>
+              <a:t/>
+            </a:r>
+            <a:endParaRPr/>
+          </a:p>
+        </p:txBody>
+      </p:sp>
+    </p:spTree>
+  </p:cSld>
+  <p:clrMapOvr>
+    <a:masterClrMapping/>
+  </p:clrMapOvr>
+</p:notes>
+</file>
+
+<file path=ppt/notesSlides/notesSlide29.xml><?xml version="1.0" encoding="utf-8"?>
+<p:notes xmlns:a="http://schemas.openxmlformats.org/drawingml/2006/main" xmlns:r="http://schemas.openxmlformats.org/officeDocument/2006/relationships" xmlns:mc="http://schemas.openxmlformats.org/markup-compatibility/2006" xmlns:mv="urn:schemas-microsoft-com:mac:vml" xmlns:p="http://schemas.openxmlformats.org/presentationml/2006/main" xmlns:c="http://schemas.openxmlformats.org/drawingml/2006/chart" xmlns:dgm="http://schemas.openxmlformats.org/drawingml/2006/diagram" xmlns:o="urn:schemas-microsoft-com:office:office" xmlns:v="urn:schemas-microsoft-com:vml" xmlns:pvml="urn:schemas-microsoft-com:office:powerpoint" xmlns:com="http://schemas.openxmlformats.org/drawingml/2006/compatibility" xmlns:p14="http://schemas.microsoft.com/office/powerpoint/2010/main" xmlns:p15="http://schemas.microsoft.com/office/powerpoint/2012/main" xmlns:ahyp="http://schemas.microsoft.com/office/drawing/2018/hyperlinkcolor" showMasterPhAnim="0" showMasterSp="0">
+  <p:cSld>
+    <p:spTree>
+      <p:nvGrpSpPr>
+        <p:cNvPr id="305" name="Shape 305"/>
+        <p:cNvGrpSpPr/>
+        <p:nvPr/>
+      </p:nvGrpSpPr>
+      <p:grpSpPr>
+        <a:xfrm>
+          <a:off x="0" y="0"/>
+          <a:ext cx="0" cy="0"/>
+          <a:chOff x="0" y="0"/>
+          <a:chExt cx="0" cy="0"/>
+        </a:xfrm>
+      </p:grpSpPr>
+      <p:sp>
+        <p:nvSpPr>
+          <p:cNvPr id="306" name="Google Shape;306;g994f29c5c0_0_55:notes"/>
+          <p:cNvSpPr/>
+          <p:nvPr>
+            <p:ph idx="2" type="sldImg"/>
+          </p:nvPr>
+        </p:nvSpPr>
+        <p:spPr>
+          <a:xfrm>
+            <a:off x="381300" y="685800"/>
+            <a:ext cx="6096000" cy="3429000"/>
+          </a:xfrm>
+          <a:custGeom>
+            <a:rect b="b" l="l" r="r" t="t"/>
+            <a:pathLst>
+              <a:path extrusionOk="0" h="120000" w="120000">
+                <a:moveTo>
+                  <a:pt x="0" y="0"/>
+                </a:moveTo>
+                <a:lnTo>
+                  <a:pt x="120000" y="0"/>
+                </a:lnTo>
+                <a:lnTo>
+                  <a:pt x="120000" y="120000"/>
+                </a:lnTo>
+                <a:lnTo>
+                  <a:pt x="0" y="120000"/>
+                </a:lnTo>
+                <a:close/>
+              </a:path>
+            </a:pathLst>
+          </a:custGeom>
+          <a:noFill/>
+          <a:ln cap="flat" cmpd="sng" w="9525">
+            <a:solidFill>
+              <a:srgbClr val="000000"/>
+            </a:solidFill>
+            <a:prstDash val="solid"/>
+            <a:round/>
+            <a:headEnd len="sm" w="sm" type="none"/>
+            <a:tailEnd len="sm" w="sm" type="none"/>
+          </a:ln>
+        </p:spPr>
+      </p:sp>
+      <p:sp>
+        <p:nvSpPr>
+          <p:cNvPr id="307" name="Google Shape;307;g994f29c5c0_0_55:notes"/>
           <p:cNvSpPr txBox="1"/>
           <p:nvPr>
             <p:ph idx="1" type="body"/>
@@ -19049,87 +19167,6 @@
           </a:p>
         </p:txBody>
       </p:sp>
-      <p:sp>
-        <p:nvSpPr>
-          <p:cNvPr id="229" name="Google Shape;229;p41"/>
-          <p:cNvSpPr txBox="1"/>
-          <p:nvPr>
-            <p:ph idx="1" type="body"/>
-          </p:nvPr>
-        </p:nvSpPr>
-        <p:spPr>
-          <a:xfrm>
-            <a:off x="311700" y="609000"/>
-            <a:ext cx="8520600" cy="3416400"/>
-          </a:xfrm>
-          <a:prstGeom prst="rect">
-            <a:avLst/>
-          </a:prstGeom>
-          <a:noFill/>
-          <a:ln>
-            <a:noFill/>
-          </a:ln>
-        </p:spPr>
-        <p:txBody>
-          <a:bodyPr anchorCtr="0" anchor="t" bIns="91425" lIns="91425" spcFirstLastPara="1" rIns="91425" wrap="square" tIns="91425">
-            <a:noAutofit/>
-          </a:bodyPr>
-          <a:lstStyle/>
-          <a:p>
-            <a:pPr indent="0" lvl="0" marL="0" rtl="0" algn="l">
-              <a:lnSpc>
-                <a:spcPct val="115000"/>
-              </a:lnSpc>
-              <a:spcBef>
-                <a:spcPts val="0"/>
-              </a:spcBef>
-              <a:spcAft>
-                <a:spcPts val="0"/>
-              </a:spcAft>
-              <a:buNone/>
-            </a:pPr>
-            <a:r>
-              <a:t/>
-            </a:r>
-            <a:endParaRPr sz="1400">
-              <a:solidFill>
-                <a:srgbClr val="666666"/>
-              </a:solidFill>
-            </a:endParaRPr>
-          </a:p>
-          <a:p>
-            <a:pPr indent="-317500" lvl="0" marL="457200" rtl="0" algn="l">
-              <a:lnSpc>
-                <a:spcPct val="115000"/>
-              </a:lnSpc>
-              <a:spcBef>
-                <a:spcPts val="0"/>
-              </a:spcBef>
-              <a:spcAft>
-                <a:spcPts val="0"/>
-              </a:spcAft>
-              <a:buClr>
-                <a:srgbClr val="666666"/>
-              </a:buClr>
-              <a:buSzPts val="1400"/>
-              <a:buChar char="●"/>
-            </a:pPr>
-            <a:r>
-              <a:rPr lang="en" sz="1400">
-                <a:solidFill>
-                  <a:srgbClr val="666666"/>
-                </a:solidFill>
-              </a:rPr>
-              <a:t>x</a:t>
-            </a:r>
-            <a:endParaRPr sz="1400">
-              <a:solidFill>
-                <a:srgbClr val="666666"/>
-              </a:solidFill>
-            </a:endParaRPr>
-          </a:p>
-        </p:txBody>
-      </p:sp>
     </p:spTree>
   </p:cSld>
   <p:clrMapOvr>
@@ -19143,7 +19180,7 @@
   <p:cSld>
     <p:spTree>
       <p:nvGrpSpPr>
-        <p:cNvPr id="233" name="Shape 233"/>
+        <p:cNvPr id="232" name="Shape 232"/>
         <p:cNvGrpSpPr/>
         <p:nvPr/>
       </p:nvGrpSpPr>
@@ -19157,7 +19194,7 @@
       </p:grpSpPr>
       <p:sp>
         <p:nvSpPr>
-          <p:cNvPr id="234" name="Google Shape;234;p42"/>
+          <p:cNvPr id="233" name="Google Shape;233;p42"/>
           <p:cNvSpPr/>
           <p:nvPr/>
         </p:nvSpPr>
@@ -19216,7 +19253,7 @@
       </p:sp>
       <p:sp>
         <p:nvSpPr>
-          <p:cNvPr id="235" name="Google Shape;235;p42"/>
+          <p:cNvPr id="234" name="Google Shape;234;p42"/>
           <p:cNvSpPr txBox="1"/>
           <p:nvPr>
             <p:ph type="title"/>
@@ -19542,7 +19579,7 @@
       </p:sp>
       <p:sp>
         <p:nvSpPr>
-          <p:cNvPr id="236" name="Google Shape;236;p42"/>
+          <p:cNvPr id="235" name="Google Shape;235;p42"/>
           <p:cNvSpPr txBox="1"/>
           <p:nvPr>
             <p:ph idx="12" type="sldNum"/>
@@ -19582,7 +19619,7 @@
       </p:sp>
       <p:sp>
         <p:nvSpPr>
-          <p:cNvPr id="237" name="Google Shape;237;p42"/>
+          <p:cNvPr id="236" name="Google Shape;236;p42"/>
           <p:cNvSpPr txBox="1"/>
           <p:nvPr/>
         </p:nvSpPr>
@@ -19644,7 +19681,7 @@
   <p:cSld>
     <p:spTree>
       <p:nvGrpSpPr>
-        <p:cNvPr id="241" name="Shape 241"/>
+        <p:cNvPr id="240" name="Shape 240"/>
         <p:cNvGrpSpPr/>
         <p:nvPr/>
       </p:nvGrpSpPr>
@@ -19658,7 +19695,7 @@
       </p:grpSpPr>
       <p:sp>
         <p:nvSpPr>
-          <p:cNvPr id="242" name="Google Shape;242;p43"/>
+          <p:cNvPr id="241" name="Google Shape;241;p43"/>
           <p:cNvSpPr txBox="1"/>
           <p:nvPr>
             <p:ph type="title"/>
@@ -19710,7 +19747,7 @@
       </p:sp>
       <p:sp>
         <p:nvSpPr>
-          <p:cNvPr id="243" name="Google Shape;243;p43"/>
+          <p:cNvPr id="242" name="Google Shape;242;p43"/>
           <p:cNvSpPr txBox="1"/>
           <p:nvPr>
             <p:ph idx="12" type="sldNum"/>
@@ -20249,7 +20286,7 @@
   <p:cSld>
     <p:spTree>
       <p:nvGrpSpPr>
-        <p:cNvPr id="247" name="Shape 247"/>
+        <p:cNvPr id="246" name="Shape 246"/>
         <p:cNvGrpSpPr/>
         <p:nvPr/>
       </p:nvGrpSpPr>
@@ -20263,7 +20300,7 @@
       </p:grpSpPr>
       <p:sp>
         <p:nvSpPr>
-          <p:cNvPr id="248" name="Google Shape;248;p44"/>
+          <p:cNvPr id="247" name="Google Shape;247;p44"/>
           <p:cNvSpPr/>
           <p:nvPr/>
         </p:nvSpPr>
@@ -20322,7 +20359,7 @@
       </p:sp>
       <p:sp>
         <p:nvSpPr>
-          <p:cNvPr id="249" name="Google Shape;249;p44"/>
+          <p:cNvPr id="248" name="Google Shape;248;p44"/>
           <p:cNvSpPr txBox="1"/>
           <p:nvPr>
             <p:ph type="title"/>
@@ -20451,7 +20488,7 @@
       </p:sp>
       <p:sp>
         <p:nvSpPr>
-          <p:cNvPr id="250" name="Google Shape;250;p44"/>
+          <p:cNvPr id="249" name="Google Shape;249;p44"/>
           <p:cNvSpPr txBox="1"/>
           <p:nvPr>
             <p:ph idx="12" type="sldNum"/>
@@ -20491,7 +20528,7 @@
       </p:sp>
       <p:pic>
         <p:nvPicPr>
-          <p:cNvPr id="251" name="Google Shape;251;p44"/>
+          <p:cNvPr id="250" name="Google Shape;250;p44"/>
           <p:cNvPicPr preferRelativeResize="0"/>
           <p:nvPr/>
         </p:nvPicPr>
@@ -20529,7 +20566,7 @@
   <p:cSld>
     <p:spTree>
       <p:nvGrpSpPr>
-        <p:cNvPr id="255" name="Shape 255"/>
+        <p:cNvPr id="254" name="Shape 254"/>
         <p:cNvGrpSpPr/>
         <p:nvPr/>
       </p:nvGrpSpPr>
@@ -20543,7 +20580,7 @@
       </p:grpSpPr>
       <p:sp>
         <p:nvSpPr>
-          <p:cNvPr id="256" name="Google Shape;256;p45"/>
+          <p:cNvPr id="255" name="Google Shape;255;p45"/>
           <p:cNvSpPr txBox="1"/>
           <p:nvPr>
             <p:ph type="ctrTitle"/>
@@ -20615,7 +20652,7 @@
       </p:sp>
       <p:sp>
         <p:nvSpPr>
-          <p:cNvPr id="257" name="Google Shape;257;p45"/>
+          <p:cNvPr id="256" name="Google Shape;256;p45"/>
           <p:cNvSpPr txBox="1"/>
           <p:nvPr/>
         </p:nvSpPr>
@@ -20692,7 +20729,7 @@
   <p:cSld>
     <p:spTree>
       <p:nvGrpSpPr>
-        <p:cNvPr id="261" name="Shape 261"/>
+        <p:cNvPr id="260" name="Shape 260"/>
         <p:cNvGrpSpPr/>
         <p:nvPr/>
       </p:nvGrpSpPr>
@@ -20706,7 +20743,7 @@
       </p:grpSpPr>
       <p:sp>
         <p:nvSpPr>
-          <p:cNvPr id="262" name="Google Shape;262;p46"/>
+          <p:cNvPr id="261" name="Google Shape;261;p46"/>
           <p:cNvSpPr txBox="1"/>
           <p:nvPr>
             <p:ph type="title"/>
@@ -20758,7 +20795,7 @@
       </p:sp>
       <p:sp>
         <p:nvSpPr>
-          <p:cNvPr id="263" name="Google Shape;263;p46"/>
+          <p:cNvPr id="262" name="Google Shape;262;p46"/>
           <p:cNvSpPr txBox="1"/>
           <p:nvPr>
             <p:ph idx="12" type="sldNum"/>
@@ -20809,7 +20846,7 @@
   <p:cSld>
     <p:spTree>
       <p:nvGrpSpPr>
-        <p:cNvPr id="267" name="Shape 267"/>
+        <p:cNvPr id="266" name="Shape 266"/>
         <p:cNvGrpSpPr/>
         <p:nvPr/>
       </p:nvGrpSpPr>
@@ -20823,7 +20860,7 @@
       </p:grpSpPr>
       <p:sp>
         <p:nvSpPr>
-          <p:cNvPr id="268" name="Google Shape;268;p47"/>
+          <p:cNvPr id="267" name="Google Shape;267;p47"/>
           <p:cNvSpPr txBox="1"/>
           <p:nvPr>
             <p:ph type="title"/>
@@ -20875,7 +20912,7 @@
       </p:sp>
       <p:sp>
         <p:nvSpPr>
-          <p:cNvPr id="269" name="Google Shape;269;p47"/>
+          <p:cNvPr id="268" name="Google Shape;268;p47"/>
           <p:cNvSpPr txBox="1"/>
           <p:nvPr>
             <p:ph idx="12" type="sldNum"/>
@@ -20915,7 +20952,7 @@
       </p:sp>
       <p:sp>
         <p:nvSpPr>
-          <p:cNvPr id="270" name="Google Shape;270;p47"/>
+          <p:cNvPr id="269" name="Google Shape;269;p47"/>
           <p:cNvSpPr txBox="1"/>
           <p:nvPr>
             <p:ph idx="1" type="body"/>
@@ -21024,7 +21061,7 @@
   <p:cSld>
     <p:spTree>
       <p:nvGrpSpPr>
-        <p:cNvPr id="274" name="Shape 274"/>
+        <p:cNvPr id="273" name="Shape 273"/>
         <p:cNvGrpSpPr/>
         <p:nvPr/>
       </p:nvGrpSpPr>
@@ -21038,7 +21075,7 @@
       </p:grpSpPr>
       <p:sp>
         <p:nvSpPr>
-          <p:cNvPr id="275" name="Google Shape;275;p48"/>
+          <p:cNvPr id="274" name="Google Shape;274;p48"/>
           <p:cNvSpPr txBox="1"/>
           <p:nvPr>
             <p:ph type="title"/>
@@ -21090,7 +21127,7 @@
       </p:sp>
       <p:sp>
         <p:nvSpPr>
-          <p:cNvPr id="276" name="Google Shape;276;p48"/>
+          <p:cNvPr id="275" name="Google Shape;275;p48"/>
           <p:cNvSpPr txBox="1"/>
           <p:nvPr>
             <p:ph idx="12" type="sldNum"/>
@@ -21130,7 +21167,7 @@
       </p:sp>
       <p:sp>
         <p:nvSpPr>
-          <p:cNvPr id="277" name="Google Shape;277;p48"/>
+          <p:cNvPr id="276" name="Google Shape;276;p48"/>
           <p:cNvSpPr txBox="1"/>
           <p:nvPr>
             <p:ph idx="1" type="body"/>
@@ -21287,7 +21324,7 @@
   <p:cSld>
     <p:spTree>
       <p:nvGrpSpPr>
-        <p:cNvPr id="281" name="Shape 281"/>
+        <p:cNvPr id="280" name="Shape 280"/>
         <p:cNvGrpSpPr/>
         <p:nvPr/>
       </p:nvGrpSpPr>
@@ -21301,7 +21338,7 @@
       </p:grpSpPr>
       <p:sp>
         <p:nvSpPr>
-          <p:cNvPr id="282" name="Google Shape;282;p49"/>
+          <p:cNvPr id="281" name="Google Shape;281;p49"/>
           <p:cNvSpPr txBox="1"/>
           <p:nvPr>
             <p:ph type="title"/>
@@ -21353,7 +21390,7 @@
       </p:sp>
       <p:sp>
         <p:nvSpPr>
-          <p:cNvPr id="283" name="Google Shape;283;p49"/>
+          <p:cNvPr id="282" name="Google Shape;282;p49"/>
           <p:cNvSpPr txBox="1"/>
           <p:nvPr>
             <p:ph idx="12" type="sldNum"/>
@@ -21393,7 +21430,7 @@
       </p:sp>
       <p:sp>
         <p:nvSpPr>
-          <p:cNvPr id="284" name="Google Shape;284;p49"/>
+          <p:cNvPr id="283" name="Google Shape;283;p49"/>
           <p:cNvSpPr txBox="1"/>
           <p:nvPr>
             <p:ph idx="1" type="body"/>
@@ -21590,7 +21627,7 @@
   <p:cSld>
     <p:spTree>
       <p:nvGrpSpPr>
-        <p:cNvPr id="288" name="Shape 288"/>
+        <p:cNvPr id="287" name="Shape 287"/>
         <p:cNvGrpSpPr/>
         <p:nvPr/>
       </p:nvGrpSpPr>
@@ -21604,7 +21641,7 @@
       </p:grpSpPr>
       <p:sp>
         <p:nvSpPr>
-          <p:cNvPr id="289" name="Google Shape;289;p50"/>
+          <p:cNvPr id="288" name="Google Shape;288;p50"/>
           <p:cNvSpPr txBox="1"/>
           <p:nvPr>
             <p:ph type="title"/>
@@ -21656,7 +21693,7 @@
       </p:sp>
       <p:sp>
         <p:nvSpPr>
-          <p:cNvPr id="290" name="Google Shape;290;p50"/>
+          <p:cNvPr id="289" name="Google Shape;289;p50"/>
           <p:cNvSpPr txBox="1"/>
           <p:nvPr>
             <p:ph idx="12" type="sldNum"/>
@@ -21696,7 +21733,7 @@
       </p:sp>
       <p:sp>
         <p:nvSpPr>
-          <p:cNvPr id="291" name="Google Shape;291;p50"/>
+          <p:cNvPr id="290" name="Google Shape;290;p50"/>
           <p:cNvSpPr txBox="1"/>
           <p:nvPr>
             <p:ph idx="1" type="body"/>
@@ -21947,7 +21984,7 @@
   <p:cSld>
     <p:spTree>
       <p:nvGrpSpPr>
-        <p:cNvPr id="295" name="Shape 295"/>
+        <p:cNvPr id="294" name="Shape 294"/>
         <p:cNvGrpSpPr/>
         <p:nvPr/>
       </p:nvGrpSpPr>
@@ -21961,7 +21998,7 @@
       </p:grpSpPr>
       <p:sp>
         <p:nvSpPr>
-          <p:cNvPr id="296" name="Google Shape;296;p51"/>
+          <p:cNvPr id="295" name="Google Shape;295;p51"/>
           <p:cNvSpPr/>
           <p:nvPr/>
         </p:nvSpPr>
@@ -22020,7 +22057,186 @@
       </p:sp>
       <p:sp>
         <p:nvSpPr>
+          <p:cNvPr id="296" name="Google Shape;296;p51"/>
+          <p:cNvSpPr txBox="1"/>
+          <p:nvPr>
+            <p:ph type="ctrTitle"/>
+          </p:nvPr>
+        </p:nvSpPr>
+        <p:spPr>
+          <a:xfrm>
+            <a:off x="311708" y="1371100"/>
+            <a:ext cx="8520600" cy="2052600"/>
+          </a:xfrm>
+          <a:prstGeom prst="rect">
+            <a:avLst/>
+          </a:prstGeom>
+          <a:noFill/>
+          <a:ln>
+            <a:noFill/>
+          </a:ln>
+        </p:spPr>
+        <p:txBody>
+          <a:bodyPr anchorCtr="0" anchor="b" bIns="91425" lIns="91425" spcFirstLastPara="1" rIns="91425" wrap="square" tIns="91425">
+            <a:noAutofit/>
+          </a:bodyPr>
+          <a:lstStyle/>
+          <a:p>
+            <a:pPr indent="0" lvl="0" marL="0" rtl="0" algn="ctr">
+              <a:lnSpc>
+                <a:spcPct val="100000"/>
+              </a:lnSpc>
+              <a:spcBef>
+                <a:spcPts val="0"/>
+              </a:spcBef>
+              <a:spcAft>
+                <a:spcPts val="0"/>
+              </a:spcAft>
+              <a:buSzPts val="5200"/>
+              <a:buNone/>
+            </a:pPr>
+            <a:r>
+              <a:rPr lang="en"/>
+              <a:t>HW4 </a:t>
+            </a:r>
+            <a:br>
+              <a:rPr lang="en"/>
+            </a:br>
+            <a:r>
+              <a:rPr lang="en"/>
+              <a:t>Q3, Q4</a:t>
+            </a:r>
+            <a:endParaRPr/>
+          </a:p>
+        </p:txBody>
+      </p:sp>
+      <p:sp>
+        <p:nvSpPr>
           <p:cNvPr id="297" name="Google Shape;297;p51"/>
+          <p:cNvSpPr txBox="1"/>
+          <p:nvPr>
+            <p:ph idx="12" type="sldNum"/>
+          </p:nvPr>
+        </p:nvSpPr>
+        <p:spPr>
+          <a:xfrm>
+            <a:off x="8472458" y="4663217"/>
+            <a:ext cx="548700" cy="393600"/>
+          </a:xfrm>
+          <a:prstGeom prst="rect">
+            <a:avLst/>
+          </a:prstGeom>
+        </p:spPr>
+        <p:txBody>
+          <a:bodyPr anchorCtr="0" anchor="ctr" bIns="91425" lIns="91425" spcFirstLastPara="1" rIns="91425" wrap="square" tIns="91425">
+            <a:noAutofit/>
+          </a:bodyPr>
+          <a:lstStyle/>
+          <a:p>
+            <a:pPr indent="0" lvl="0" marL="0" rtl="0" algn="r">
+              <a:spcBef>
+                <a:spcPts val="0"/>
+              </a:spcBef>
+              <a:spcAft>
+                <a:spcPts val="0"/>
+              </a:spcAft>
+              <a:buNone/>
+            </a:pPr>
+            <a:fld id="{00000000-1234-1234-1234-123412341234}" type="slidenum">
+              <a:rPr lang="en"/>
+              <a:t>‹#›</a:t>
+            </a:fld>
+            <a:endParaRPr/>
+          </a:p>
+        </p:txBody>
+      </p:sp>
+    </p:spTree>
+  </p:cSld>
+  <p:clrMapOvr>
+    <a:masterClrMapping/>
+  </p:clrMapOvr>
+</p:sld>
+</file>
+
+<file path=ppt/slides/slide28.xml><?xml version="1.0" encoding="utf-8"?>
+<p:sld xmlns:a="http://schemas.openxmlformats.org/drawingml/2006/main" xmlns:r="http://schemas.openxmlformats.org/officeDocument/2006/relationships" xmlns:mc="http://schemas.openxmlformats.org/markup-compatibility/2006" xmlns:mv="urn:schemas-microsoft-com:mac:vml" xmlns:p="http://schemas.openxmlformats.org/presentationml/2006/main" xmlns:c="http://schemas.openxmlformats.org/drawingml/2006/chart" xmlns:dgm="http://schemas.openxmlformats.org/drawingml/2006/diagram" xmlns:o="urn:schemas-microsoft-com:office:office" xmlns:v="urn:schemas-microsoft-com:vml" xmlns:pvml="urn:schemas-microsoft-com:office:powerpoint" xmlns:com="http://schemas.openxmlformats.org/drawingml/2006/compatibility" xmlns:p14="http://schemas.microsoft.com/office/powerpoint/2010/main" xmlns:p15="http://schemas.microsoft.com/office/powerpoint/2012/main" xmlns:ahyp="http://schemas.microsoft.com/office/drawing/2018/hyperlinkcolor">
+  <p:cSld>
+    <p:spTree>
+      <p:nvGrpSpPr>
+        <p:cNvPr id="301" name="Shape 301"/>
+        <p:cNvGrpSpPr/>
+        <p:nvPr/>
+      </p:nvGrpSpPr>
+      <p:grpSpPr>
+        <a:xfrm>
+          <a:off x="0" y="0"/>
+          <a:ext cx="0" cy="0"/>
+          <a:chOff x="0" y="0"/>
+          <a:chExt cx="0" cy="0"/>
+        </a:xfrm>
+      </p:grpSpPr>
+      <p:sp>
+        <p:nvSpPr>
+          <p:cNvPr id="302" name="Google Shape;302;p52"/>
+          <p:cNvSpPr/>
+          <p:nvPr/>
+        </p:nvSpPr>
+        <p:spPr>
+          <a:xfrm>
+            <a:off x="311700" y="347100"/>
+            <a:ext cx="8520600" cy="4449300"/>
+          </a:xfrm>
+          <a:prstGeom prst="rect">
+            <a:avLst/>
+          </a:prstGeom>
+          <a:solidFill>
+            <a:srgbClr val="FFE599"/>
+          </a:solidFill>
+          <a:ln>
+            <a:noFill/>
+          </a:ln>
+        </p:spPr>
+        <p:txBody>
+          <a:bodyPr anchorCtr="0" anchor="ctr" bIns="91425" lIns="91425" spcFirstLastPara="1" rIns="91425" wrap="square" tIns="91425">
+            <a:noAutofit/>
+          </a:bodyPr>
+          <a:lstStyle/>
+          <a:p>
+            <a:pPr indent="0" lvl="0" marL="0" marR="0" rtl="0" algn="l">
+              <a:lnSpc>
+                <a:spcPct val="100000"/>
+              </a:lnSpc>
+              <a:spcBef>
+                <a:spcPts val="0"/>
+              </a:spcBef>
+              <a:spcAft>
+                <a:spcPts val="0"/>
+              </a:spcAft>
+              <a:buClr>
+                <a:srgbClr val="000000"/>
+              </a:buClr>
+              <a:buSzPts val="1400"/>
+              <a:buFont typeface="Arial"/>
+              <a:buNone/>
+            </a:pPr>
+            <a:r>
+              <a:t/>
+            </a:r>
+            <a:endParaRPr b="0" i="0" sz="1400" u="none" cap="none" strike="noStrike">
+              <a:solidFill>
+                <a:srgbClr val="000000"/>
+              </a:solidFill>
+              <a:latin typeface="Arial"/>
+              <a:ea typeface="Arial"/>
+              <a:cs typeface="Arial"/>
+              <a:sym typeface="Arial"/>
+            </a:endParaRPr>
+          </a:p>
+        </p:txBody>
+      </p:sp>
+      <p:sp>
+        <p:nvSpPr>
+          <p:cNvPr id="303" name="Google Shape;303;p52"/>
           <p:cNvSpPr txBox="1"/>
           <p:nvPr>
             <p:ph type="ctrTitle"/>
@@ -22097,7 +22313,7 @@
       </p:sp>
       <p:sp>
         <p:nvSpPr>
-          <p:cNvPr id="298" name="Google Shape;298;p51"/>
+          <p:cNvPr id="304" name="Google Shape;304;p52"/>
           <p:cNvSpPr txBox="1"/>
           <p:nvPr>
             <p:ph idx="12" type="sldNum"/>
@@ -22143,12 +22359,12 @@
 </p:sld>
 </file>
 
-<file path=ppt/slides/slide28.xml><?xml version="1.0" encoding="utf-8"?>
+<file path=ppt/slides/slide29.xml><?xml version="1.0" encoding="utf-8"?>
 <p:sld xmlns:a="http://schemas.openxmlformats.org/drawingml/2006/main" xmlns:r="http://schemas.openxmlformats.org/officeDocument/2006/relationships" xmlns:mc="http://schemas.openxmlformats.org/markup-compatibility/2006" xmlns:mv="urn:schemas-microsoft-com:mac:vml" xmlns:p="http://schemas.openxmlformats.org/presentationml/2006/main" xmlns:c="http://schemas.openxmlformats.org/drawingml/2006/chart" xmlns:dgm="http://schemas.openxmlformats.org/drawingml/2006/diagram" xmlns:o="urn:schemas-microsoft-com:office:office" xmlns:v="urn:schemas-microsoft-com:vml" xmlns:pvml="urn:schemas-microsoft-com:office:powerpoint" xmlns:com="http://schemas.openxmlformats.org/drawingml/2006/compatibility" xmlns:p14="http://schemas.microsoft.com/office/powerpoint/2010/main" xmlns:p15="http://schemas.microsoft.com/office/powerpoint/2012/main" xmlns:ahyp="http://schemas.microsoft.com/office/drawing/2018/hyperlinkcolor">
   <p:cSld>
     <p:spTree>
       <p:nvGrpSpPr>
-        <p:cNvPr id="302" name="Shape 302"/>
+        <p:cNvPr id="308" name="Shape 308"/>
         <p:cNvGrpSpPr/>
         <p:nvPr/>
       </p:nvGrpSpPr>
@@ -22162,7 +22378,7 @@
       </p:grpSpPr>
       <p:sp>
         <p:nvSpPr>
-          <p:cNvPr id="303" name="Google Shape;303;p52"/>
+          <p:cNvPr id="309" name="Google Shape;309;p53"/>
           <p:cNvSpPr/>
           <p:nvPr/>
         </p:nvSpPr>
@@ -22221,7 +22437,7 @@
       </p:sp>
       <p:sp>
         <p:nvSpPr>
-          <p:cNvPr id="304" name="Google Shape;304;p52"/>
+          <p:cNvPr id="310" name="Google Shape;310;p53"/>
           <p:cNvSpPr txBox="1"/>
           <p:nvPr>
             <p:ph type="title"/>
@@ -22327,7 +22543,7 @@
       </p:sp>
       <p:sp>
         <p:nvSpPr>
-          <p:cNvPr id="305" name="Google Shape;305;p52"/>
+          <p:cNvPr id="311" name="Google Shape;311;p53"/>
           <p:cNvSpPr txBox="1"/>
           <p:nvPr>
             <p:ph idx="12" type="sldNum"/>
@@ -22367,7 +22583,7 @@
       </p:sp>
       <p:pic>
         <p:nvPicPr>
-          <p:cNvPr id="306" name="Google Shape;306;p52"/>
+          <p:cNvPr id="312" name="Google Shape;312;p53"/>
           <p:cNvPicPr preferRelativeResize="0"/>
           <p:nvPr/>
         </p:nvPicPr>
@@ -22921,7 +23137,47 @@
             </a:pPr>
             <a:r>
               <a:rPr lang="en" sz="1400"/>
-              <a:t>x</a:t>
+              <a:t>No error bars</a:t>
+            </a:r>
+            <a:endParaRPr sz="1400"/>
+          </a:p>
+          <a:p>
+            <a:pPr indent="-317500" lvl="0" marL="457200" rtl="0" algn="l">
+              <a:lnSpc>
+                <a:spcPct val="115000"/>
+              </a:lnSpc>
+              <a:spcBef>
+                <a:spcPts val="0"/>
+              </a:spcBef>
+              <a:spcAft>
+                <a:spcPts val="0"/>
+              </a:spcAft>
+              <a:buSzPts val="1400"/>
+              <a:buChar char="●"/>
+            </a:pPr>
+            <a:r>
+              <a:rPr lang="en" sz="1400"/>
+              <a:t>Y-axis not from 0</a:t>
+            </a:r>
+            <a:endParaRPr sz="1400"/>
+          </a:p>
+          <a:p>
+            <a:pPr indent="-317500" lvl="0" marL="457200" rtl="0" algn="l">
+              <a:lnSpc>
+                <a:spcPct val="115000"/>
+              </a:lnSpc>
+              <a:spcBef>
+                <a:spcPts val="0"/>
+              </a:spcBef>
+              <a:spcAft>
+                <a:spcPts val="0"/>
+              </a:spcAft>
+              <a:buSzPts val="1400"/>
+              <a:buChar char="●"/>
+            </a:pPr>
+            <a:r>
+              <a:rPr lang="en" sz="1400"/>
+              <a:t>Abbreviated numbers to be clearer what they are (what are the exact numbers for each county?</a:t>
             </a:r>
             <a:br>
               <a:rPr lang="en" sz="1400"/>
